--- a/database/Database.pptx
+++ b/database/Database.pptx
@@ -200,7 +200,7 @@
           <a:p>
             <a:fld id="{765E3B91-6E01-4F4E-BEE1-BC92377816D0}" type="datetimeFigureOut">
               <a:rPr lang="th-TH" smtClean="0"/>
-              <a:t>17/04/63</a:t>
+              <a:t>24/04/63</a:t>
             </a:fld>
             <a:endParaRPr lang="th-TH"/>
           </a:p>
@@ -693,9 +693,10 @@
               <a:buAutoNum type="arabicPeriod"/>
             </a:pPr>
             <a:r>
-              <a:rPr lang="en-US" dirty="0"/>
-              <a:t>description</a:t>
-            </a:r>
+              <a:rPr lang="en-US" dirty="0" err="1"/>
+              <a:t>Img_name_show</a:t>
+            </a:r>
+            <a:endParaRPr lang="en-US" dirty="0"/>
           </a:p>
           <a:p>
             <a:pPr marL="342900" indent="-342900">
@@ -703,7 +704,7 @@
             </a:pPr>
             <a:r>
               <a:rPr lang="en-US" dirty="0" err="1"/>
-              <a:t>Img_post</a:t>
+              <a:t>Img_name_post</a:t>
             </a:r>
             <a:endParaRPr lang="en-US" dirty="0"/>
           </a:p>
@@ -732,9 +733,10 @@
               <a:buAutoNum type="arabicPeriod"/>
             </a:pPr>
             <a:r>
-              <a:rPr lang="en-US" dirty="0"/>
-              <a:t>feeling</a:t>
-            </a:r>
+              <a:rPr lang="en-US" dirty="0" err="1"/>
+              <a:t>Img_feeling</a:t>
+            </a:r>
+            <a:endParaRPr lang="en-US" dirty="0"/>
           </a:p>
           <a:p>
             <a:pPr marL="0" indent="0">
@@ -1472,7 +1474,7 @@
           <a:p>
             <a:fld id="{AFEC6162-4A34-4356-9680-1A5D0690695A}" type="datetimeFigureOut">
               <a:rPr lang="th-TH" smtClean="0"/>
-              <a:t>17/04/63</a:t>
+              <a:t>24/04/63</a:t>
             </a:fld>
             <a:endParaRPr lang="th-TH"/>
           </a:p>
@@ -1670,7 +1672,7 @@
           <a:p>
             <a:fld id="{AFEC6162-4A34-4356-9680-1A5D0690695A}" type="datetimeFigureOut">
               <a:rPr lang="th-TH" smtClean="0"/>
-              <a:t>17/04/63</a:t>
+              <a:t>24/04/63</a:t>
             </a:fld>
             <a:endParaRPr lang="th-TH"/>
           </a:p>
@@ -1878,7 +1880,7 @@
           <a:p>
             <a:fld id="{AFEC6162-4A34-4356-9680-1A5D0690695A}" type="datetimeFigureOut">
               <a:rPr lang="th-TH" smtClean="0"/>
-              <a:t>17/04/63</a:t>
+              <a:t>24/04/63</a:t>
             </a:fld>
             <a:endParaRPr lang="th-TH"/>
           </a:p>
@@ -2076,7 +2078,7 @@
           <a:p>
             <a:fld id="{AFEC6162-4A34-4356-9680-1A5D0690695A}" type="datetimeFigureOut">
               <a:rPr lang="th-TH" smtClean="0"/>
-              <a:t>17/04/63</a:t>
+              <a:t>24/04/63</a:t>
             </a:fld>
             <a:endParaRPr lang="th-TH"/>
           </a:p>
@@ -2351,7 +2353,7 @@
           <a:p>
             <a:fld id="{AFEC6162-4A34-4356-9680-1A5D0690695A}" type="datetimeFigureOut">
               <a:rPr lang="th-TH" smtClean="0"/>
-              <a:t>17/04/63</a:t>
+              <a:t>24/04/63</a:t>
             </a:fld>
             <a:endParaRPr lang="th-TH"/>
           </a:p>
@@ -2616,7 +2618,7 @@
           <a:p>
             <a:fld id="{AFEC6162-4A34-4356-9680-1A5D0690695A}" type="datetimeFigureOut">
               <a:rPr lang="th-TH" smtClean="0"/>
-              <a:t>17/04/63</a:t>
+              <a:t>24/04/63</a:t>
             </a:fld>
             <a:endParaRPr lang="th-TH"/>
           </a:p>
@@ -3028,7 +3030,7 @@
           <a:p>
             <a:fld id="{AFEC6162-4A34-4356-9680-1A5D0690695A}" type="datetimeFigureOut">
               <a:rPr lang="th-TH" smtClean="0"/>
-              <a:t>17/04/63</a:t>
+              <a:t>24/04/63</a:t>
             </a:fld>
             <a:endParaRPr lang="th-TH"/>
           </a:p>
@@ -3169,7 +3171,7 @@
           <a:p>
             <a:fld id="{AFEC6162-4A34-4356-9680-1A5D0690695A}" type="datetimeFigureOut">
               <a:rPr lang="th-TH" smtClean="0"/>
-              <a:t>17/04/63</a:t>
+              <a:t>24/04/63</a:t>
             </a:fld>
             <a:endParaRPr lang="th-TH"/>
           </a:p>
@@ -3282,7 +3284,7 @@
           <a:p>
             <a:fld id="{AFEC6162-4A34-4356-9680-1A5D0690695A}" type="datetimeFigureOut">
               <a:rPr lang="th-TH" smtClean="0"/>
-              <a:t>17/04/63</a:t>
+              <a:t>24/04/63</a:t>
             </a:fld>
             <a:endParaRPr lang="th-TH"/>
           </a:p>
@@ -3593,7 +3595,7 @@
           <a:p>
             <a:fld id="{AFEC6162-4A34-4356-9680-1A5D0690695A}" type="datetimeFigureOut">
               <a:rPr lang="th-TH" smtClean="0"/>
-              <a:t>17/04/63</a:t>
+              <a:t>24/04/63</a:t>
             </a:fld>
             <a:endParaRPr lang="th-TH"/>
           </a:p>
@@ -3881,7 +3883,7 @@
           <a:p>
             <a:fld id="{AFEC6162-4A34-4356-9680-1A5D0690695A}" type="datetimeFigureOut">
               <a:rPr lang="th-TH" smtClean="0"/>
-              <a:t>17/04/63</a:t>
+              <a:t>24/04/63</a:t>
             </a:fld>
             <a:endParaRPr lang="th-TH"/>
           </a:p>
@@ -4122,7 +4124,7 @@
           <a:p>
             <a:fld id="{AFEC6162-4A34-4356-9680-1A5D0690695A}" type="datetimeFigureOut">
               <a:rPr lang="th-TH" smtClean="0"/>
-              <a:t>17/04/63</a:t>
+              <a:t>24/04/63</a:t>
             </a:fld>
             <a:endParaRPr lang="th-TH"/>
           </a:p>

--- a/database/Database.pptx
+++ b/database/Database.pptx
@@ -200,7 +200,7 @@
           <a:p>
             <a:fld id="{765E3B91-6E01-4F4E-BEE1-BC92377816D0}" type="datetimeFigureOut">
               <a:rPr lang="th-TH" smtClean="0"/>
-              <a:t>24/04/63</a:t>
+              <a:t>28/04/63</a:t>
             </a:fld>
             <a:endParaRPr lang="th-TH"/>
           </a:p>
@@ -683,6 +683,15 @@
               <a:buAutoNum type="arabicPeriod"/>
             </a:pPr>
             <a:r>
+              <a:rPr lang="en-US" dirty="0"/>
+              <a:t>Id</a:t>
+            </a:r>
+          </a:p>
+          <a:p>
+            <a:pPr marL="342900" indent="-342900">
+              <a:buAutoNum type="arabicPeriod"/>
+            </a:pPr>
+            <a:r>
               <a:rPr lang="en-US" dirty="0" err="1"/>
               <a:t>Id_img_post</a:t>
             </a:r>
@@ -1474,7 +1483,7 @@
           <a:p>
             <a:fld id="{AFEC6162-4A34-4356-9680-1A5D0690695A}" type="datetimeFigureOut">
               <a:rPr lang="th-TH" smtClean="0"/>
-              <a:t>24/04/63</a:t>
+              <a:t>28/04/63</a:t>
             </a:fld>
             <a:endParaRPr lang="th-TH"/>
           </a:p>
@@ -1672,7 +1681,7 @@
           <a:p>
             <a:fld id="{AFEC6162-4A34-4356-9680-1A5D0690695A}" type="datetimeFigureOut">
               <a:rPr lang="th-TH" smtClean="0"/>
-              <a:t>24/04/63</a:t>
+              <a:t>28/04/63</a:t>
             </a:fld>
             <a:endParaRPr lang="th-TH"/>
           </a:p>
@@ -1880,7 +1889,7 @@
           <a:p>
             <a:fld id="{AFEC6162-4A34-4356-9680-1A5D0690695A}" type="datetimeFigureOut">
               <a:rPr lang="th-TH" smtClean="0"/>
-              <a:t>24/04/63</a:t>
+              <a:t>28/04/63</a:t>
             </a:fld>
             <a:endParaRPr lang="th-TH"/>
           </a:p>
@@ -2078,7 +2087,7 @@
           <a:p>
             <a:fld id="{AFEC6162-4A34-4356-9680-1A5D0690695A}" type="datetimeFigureOut">
               <a:rPr lang="th-TH" smtClean="0"/>
-              <a:t>24/04/63</a:t>
+              <a:t>28/04/63</a:t>
             </a:fld>
             <a:endParaRPr lang="th-TH"/>
           </a:p>
@@ -2353,7 +2362,7 @@
           <a:p>
             <a:fld id="{AFEC6162-4A34-4356-9680-1A5D0690695A}" type="datetimeFigureOut">
               <a:rPr lang="th-TH" smtClean="0"/>
-              <a:t>24/04/63</a:t>
+              <a:t>28/04/63</a:t>
             </a:fld>
             <a:endParaRPr lang="th-TH"/>
           </a:p>
@@ -2618,7 +2627,7 @@
           <a:p>
             <a:fld id="{AFEC6162-4A34-4356-9680-1A5D0690695A}" type="datetimeFigureOut">
               <a:rPr lang="th-TH" smtClean="0"/>
-              <a:t>24/04/63</a:t>
+              <a:t>28/04/63</a:t>
             </a:fld>
             <a:endParaRPr lang="th-TH"/>
           </a:p>
@@ -3030,7 +3039,7 @@
           <a:p>
             <a:fld id="{AFEC6162-4A34-4356-9680-1A5D0690695A}" type="datetimeFigureOut">
               <a:rPr lang="th-TH" smtClean="0"/>
-              <a:t>24/04/63</a:t>
+              <a:t>28/04/63</a:t>
             </a:fld>
             <a:endParaRPr lang="th-TH"/>
           </a:p>
@@ -3171,7 +3180,7 @@
           <a:p>
             <a:fld id="{AFEC6162-4A34-4356-9680-1A5D0690695A}" type="datetimeFigureOut">
               <a:rPr lang="th-TH" smtClean="0"/>
-              <a:t>24/04/63</a:t>
+              <a:t>28/04/63</a:t>
             </a:fld>
             <a:endParaRPr lang="th-TH"/>
           </a:p>
@@ -3284,7 +3293,7 @@
           <a:p>
             <a:fld id="{AFEC6162-4A34-4356-9680-1A5D0690695A}" type="datetimeFigureOut">
               <a:rPr lang="th-TH" smtClean="0"/>
-              <a:t>24/04/63</a:t>
+              <a:t>28/04/63</a:t>
             </a:fld>
             <a:endParaRPr lang="th-TH"/>
           </a:p>
@@ -3595,7 +3604,7 @@
           <a:p>
             <a:fld id="{AFEC6162-4A34-4356-9680-1A5D0690695A}" type="datetimeFigureOut">
               <a:rPr lang="th-TH" smtClean="0"/>
-              <a:t>24/04/63</a:t>
+              <a:t>28/04/63</a:t>
             </a:fld>
             <a:endParaRPr lang="th-TH"/>
           </a:p>
@@ -3883,7 +3892,7 @@
           <a:p>
             <a:fld id="{AFEC6162-4A34-4356-9680-1A5D0690695A}" type="datetimeFigureOut">
               <a:rPr lang="th-TH" smtClean="0"/>
-              <a:t>24/04/63</a:t>
+              <a:t>28/04/63</a:t>
             </a:fld>
             <a:endParaRPr lang="th-TH"/>
           </a:p>
@@ -4124,7 +4133,7 @@
           <a:p>
             <a:fld id="{AFEC6162-4A34-4356-9680-1A5D0690695A}" type="datetimeFigureOut">
               <a:rPr lang="th-TH" smtClean="0"/>
-              <a:t>24/04/63</a:t>
+              <a:t>28/04/63</a:t>
             </a:fld>
             <a:endParaRPr lang="th-TH"/>
           </a:p>
